--- a/docs/week-4-tree-structures/ce205-week-4-tree-structures.md_word.pptx
+++ b/docs/week-4-tree-structures/ce205-week-4-tree-structures.md_word.pptx
@@ -9,6 +9,27 @@
     <p:sldId id="257" r:id="rId3"/>
     <p:sldId id="258" r:id="rId4"/>
     <p:sldId id="259" r:id="rId5"/>
+    <p:sldId id="260" r:id="rId6"/>
+    <p:sldId id="261" r:id="rId7"/>
+    <p:sldId id="262" r:id="rId8"/>
+    <p:sldId id="263" r:id="rId9"/>
+    <p:sldId id="264" r:id="rId10"/>
+    <p:sldId id="265" r:id="rId11"/>
+    <p:sldId id="266" r:id="rId12"/>
+    <p:sldId id="267" r:id="rId13"/>
+    <p:sldId id="268" r:id="rId14"/>
+    <p:sldId id="269" r:id="rId15"/>
+    <p:sldId id="270" r:id="rId16"/>
+    <p:sldId id="271" r:id="rId17"/>
+    <p:sldId id="272" r:id="rId18"/>
+    <p:sldId id="273" r:id="rId19"/>
+    <p:sldId id="274" r:id="rId20"/>
+    <p:sldId id="275" r:id="rId21"/>
+    <p:sldId id="276" r:id="rId22"/>
+    <p:sldId id="277" r:id="rId23"/>
+    <p:sldId id="278" r:id="rId24"/>
+    <p:sldId id="279" r:id="rId25"/>
+    <p:sldId id="280" r:id="rId26"/>
   </p:sldIdLst>
   <p:sldSz cx="9144000" cy="6858000" type="screen4x3"/>
   <p:notesSz cx="6858000" cy="9144000"/>
@@ -3210,6 +3231,913 @@
 </p:sld>
 </file>
 
+<file path=ppt/slides/slide10.xml><?xml version="1.0" encoding="utf-8"?>
+<p:sld xmlns:a="http://schemas.openxmlformats.org/drawingml/2006/main" xmlns:r="http://schemas.openxmlformats.org/officeDocument/2006/relationships" xmlns:p="http://schemas.openxmlformats.org/presentationml/2006/main">
+  <p:cSld>
+    <p:spTree>
+      <p:nvGrpSpPr>
+        <p:cNvPr id="1" name=""/>
+        <p:cNvGrpSpPr/>
+        <p:nvPr/>
+      </p:nvGrpSpPr>
+      <p:grpSpPr>
+        <a:xfrm>
+          <a:off x="0" y="0"/>
+          <a:ext cx="0" cy="0"/>
+          <a:chOff x="0" y="0"/>
+          <a:chExt cx="0" cy="0"/>
+        </a:xfrm>
+      </p:grpSpPr>
+      <p:sp>
+        <p:nvSpPr>
+          <p:cNvPr id="2" name="Title 1"/>
+          <p:cNvSpPr>
+            <a:spLocks noGrp="1"/>
+          </p:cNvSpPr>
+          <p:nvPr>
+            <p:ph type="title"/>
+          </p:nvPr>
+        </p:nvSpPr>
+        <p:spPr/>
+        <p:txBody>
+          <a:bodyPr/>
+          <a:lstStyle/>
+          <a:p>
+            <a:pPr lvl="0" indent="0" marL="0">
+              <a:buNone/>
+            </a:pPr>
+            <a:r>
+              <a:rPr/>
+              <a:t>Longet Common Ancestor</a:t>
+            </a:r>
+          </a:p>
+        </p:txBody>
+      </p:sp>
+      <p:pic>
+        <p:nvPicPr>
+          <p:cNvPr descr="assets/2022-09-24-23-42-30-image.png" id="0" name="Picture 1"/>
+          <p:cNvPicPr>
+            <a:picLocks noGrp="1" noChangeAspect="1"/>
+          </p:cNvPicPr>
+          <p:nvPr/>
+        </p:nvPicPr>
+        <p:blipFill>
+          <a:blip r:embed="rId2"/>
+          <a:stretch>
+            <a:fillRect/>
+          </a:stretch>
+        </p:blipFill>
+        <p:spPr bwMode="auto">
+          <a:xfrm>
+            <a:off x="584200" y="1600200"/>
+            <a:ext cx="7975600" cy="4521200"/>
+          </a:xfrm>
+          <a:prstGeom prst="rect">
+            <a:avLst/>
+          </a:prstGeom>
+          <a:noFill/>
+          <a:ln w="9525">
+            <a:noFill/>
+            <a:headEnd/>
+            <a:tailEnd/>
+          </a:ln>
+        </p:spPr>
+      </p:pic>
+    </p:spTree>
+  </p:cSld>
+</p:sld>
+</file>
+
+<file path=ppt/slides/slide11.xml><?xml version="1.0" encoding="utf-8"?>
+<p:sld xmlns:a="http://schemas.openxmlformats.org/drawingml/2006/main" xmlns:r="http://schemas.openxmlformats.org/officeDocument/2006/relationships" xmlns:p="http://schemas.openxmlformats.org/presentationml/2006/main">
+  <p:cSld>
+    <p:spTree>
+      <p:nvGrpSpPr>
+        <p:cNvPr id="1" name=""/>
+        <p:cNvGrpSpPr/>
+        <p:nvPr/>
+      </p:nvGrpSpPr>
+      <p:grpSpPr>
+        <a:xfrm>
+          <a:off x="0" y="0"/>
+          <a:ext cx="0" cy="0"/>
+          <a:chOff x="0" y="0"/>
+          <a:chExt cx="0" cy="0"/>
+        </a:xfrm>
+      </p:grpSpPr>
+      <p:sp>
+        <p:nvSpPr>
+          <p:cNvPr id="2" name="Title 1"/>
+          <p:cNvSpPr>
+            <a:spLocks noGrp="1"/>
+          </p:cNvSpPr>
+          <p:nvPr>
+            <p:ph type="title"/>
+          </p:nvPr>
+        </p:nvSpPr>
+        <p:spPr/>
+        <p:txBody>
+          <a:bodyPr/>
+          <a:lstStyle/>
+          <a:p>
+            <a:pPr lvl="0" indent="0" marL="0">
+              <a:buNone/>
+            </a:pPr>
+            <a:r>
+              <a:rPr/>
+              <a:t>Longet Common Ancestor</a:t>
+            </a:r>
+          </a:p>
+        </p:txBody>
+      </p:sp>
+      <p:pic>
+        <p:nvPicPr>
+          <p:cNvPr descr="assets/2022-09-24-23-43-06-image.png" id="0" name="Picture 1"/>
+          <p:cNvPicPr>
+            <a:picLocks noGrp="1" noChangeAspect="1"/>
+          </p:cNvPicPr>
+          <p:nvPr/>
+        </p:nvPicPr>
+        <p:blipFill>
+          <a:blip r:embed="rId2"/>
+          <a:stretch>
+            <a:fillRect/>
+          </a:stretch>
+        </p:blipFill>
+        <p:spPr bwMode="auto">
+          <a:xfrm>
+            <a:off x="711200" y="1600200"/>
+            <a:ext cx="7721600" cy="4521200"/>
+          </a:xfrm>
+          <a:prstGeom prst="rect">
+            <a:avLst/>
+          </a:prstGeom>
+          <a:noFill/>
+          <a:ln w="9525">
+            <a:noFill/>
+            <a:headEnd/>
+            <a:tailEnd/>
+          </a:ln>
+        </p:spPr>
+      </p:pic>
+    </p:spTree>
+  </p:cSld>
+</p:sld>
+</file>
+
+<file path=ppt/slides/slide12.xml><?xml version="1.0" encoding="utf-8"?>
+<p:sld xmlns:a="http://schemas.openxmlformats.org/drawingml/2006/main" xmlns:r="http://schemas.openxmlformats.org/officeDocument/2006/relationships" xmlns:p="http://schemas.openxmlformats.org/presentationml/2006/main">
+  <p:cSld>
+    <p:spTree>
+      <p:nvGrpSpPr>
+        <p:cNvPr id="1" name=""/>
+        <p:cNvGrpSpPr/>
+        <p:nvPr/>
+      </p:nvGrpSpPr>
+      <p:grpSpPr>
+        <a:xfrm>
+          <a:off x="0" y="0"/>
+          <a:ext cx="0" cy="0"/>
+          <a:chOff x="0" y="0"/>
+          <a:chExt cx="0" cy="0"/>
+        </a:xfrm>
+      </p:grpSpPr>
+      <p:sp>
+        <p:nvSpPr>
+          <p:cNvPr id="2" name="Title 1"/>
+          <p:cNvSpPr>
+            <a:spLocks noGrp="1"/>
+          </p:cNvSpPr>
+          <p:nvPr>
+            <p:ph type="title"/>
+          </p:nvPr>
+        </p:nvSpPr>
+        <p:spPr/>
+        <p:txBody>
+          <a:bodyPr/>
+          <a:lstStyle/>
+          <a:p>
+            <a:pPr lvl="0" indent="0" marL="0">
+              <a:buNone/>
+            </a:pPr>
+            <a:r>
+              <a:rPr/>
+              <a:t>Binary Tree Representations</a:t>
+            </a:r>
+          </a:p>
+        </p:txBody>
+      </p:sp>
+      <p:sp>
+        <p:nvSpPr>
+          <p:cNvPr id="3" name="Content Placeholder 2"/>
+          <p:cNvSpPr>
+            <a:spLocks noGrp="1"/>
+          </p:cNvSpPr>
+          <p:nvPr>
+            <p:ph idx="1"/>
+          </p:nvPr>
+        </p:nvSpPr>
+        <p:spPr/>
+        <p:txBody>
+          <a:bodyPr/>
+          <a:lstStyle/>
+          <a:p>
+            <a:pPr lvl="0"/>
+            <a:r>
+              <a:rPr/>
+              <a:t>Btech Smart Class</a:t>
+            </a:r>
+          </a:p>
+          <a:p>
+            <a:pPr lvl="1"/>
+            <a:r>
+              <a:rPr/>
+              <a:t>http://www.btechsmartclass.com/data_structures/binary-tree-representations.html</a:t>
+            </a:r>
+          </a:p>
+        </p:txBody>
+      </p:sp>
+    </p:spTree>
+  </p:cSld>
+</p:sld>
+</file>
+
+<file path=ppt/slides/slide13.xml><?xml version="1.0" encoding="utf-8"?>
+<p:sld xmlns:a="http://schemas.openxmlformats.org/drawingml/2006/main" xmlns:r="http://schemas.openxmlformats.org/officeDocument/2006/relationships" xmlns:p="http://schemas.openxmlformats.org/presentationml/2006/main">
+  <p:cSld>
+    <p:spTree>
+      <p:nvGrpSpPr>
+        <p:cNvPr id="1" name=""/>
+        <p:cNvGrpSpPr/>
+        <p:nvPr/>
+      </p:nvGrpSpPr>
+      <p:grpSpPr>
+        <a:xfrm>
+          <a:off x="0" y="0"/>
+          <a:ext cx="0" cy="0"/>
+          <a:chOff x="0" y="0"/>
+          <a:chExt cx="0" cy="0"/>
+        </a:xfrm>
+      </p:grpSpPr>
+      <p:sp>
+        <p:nvSpPr>
+          <p:cNvPr id="2" name="Title 1"/>
+          <p:cNvSpPr>
+            <a:spLocks noGrp="1"/>
+          </p:cNvSpPr>
+          <p:nvPr>
+            <p:ph type="title"/>
+          </p:nvPr>
+        </p:nvSpPr>
+        <p:spPr/>
+        <p:txBody>
+          <a:bodyPr/>
+          <a:lstStyle/>
+          <a:p>
+            <a:pPr lvl="0" indent="0" marL="0">
+              <a:buNone/>
+            </a:pPr>
+            <a:r>
+              <a:rPr/>
+              <a:t>Binary Tree Traversals</a:t>
+            </a:r>
+          </a:p>
+        </p:txBody>
+      </p:sp>
+      <p:sp>
+        <p:nvSpPr>
+          <p:cNvPr id="3" name="Content Placeholder 2"/>
+          <p:cNvSpPr>
+            <a:spLocks noGrp="1"/>
+          </p:cNvSpPr>
+          <p:nvPr>
+            <p:ph idx="1"/>
+          </p:nvPr>
+        </p:nvSpPr>
+        <p:spPr/>
+        <p:txBody>
+          <a:bodyPr/>
+          <a:lstStyle/>
+          <a:p>
+            <a:pPr lvl="0"/>
+            <a:r>
+              <a:rPr/>
+              <a:t>Btech Smart Class</a:t>
+            </a:r>
+          </a:p>
+          <a:p>
+            <a:pPr lvl="1"/>
+            <a:r>
+              <a:rPr/>
+              <a:t>http://www.btechsmartclass.com/data_structures/binary-tree-traversals.html</a:t>
+            </a:r>
+          </a:p>
+          <a:p>
+            <a:pPr lvl="2"/>
+            <a:r>
+              <a:rPr/>
+              <a:t>In-Order</a:t>
+            </a:r>
+          </a:p>
+          <a:p>
+            <a:pPr lvl="2"/>
+            <a:r>
+              <a:rPr/>
+              <a:t>Pre-Order</a:t>
+            </a:r>
+          </a:p>
+          <a:p>
+            <a:pPr lvl="2"/>
+            <a:r>
+              <a:rPr/>
+              <a:t>Post-Order</a:t>
+            </a:r>
+          </a:p>
+        </p:txBody>
+      </p:sp>
+    </p:spTree>
+  </p:cSld>
+</p:sld>
+</file>
+
+<file path=ppt/slides/slide14.xml><?xml version="1.0" encoding="utf-8"?>
+<p:sld xmlns:a="http://schemas.openxmlformats.org/drawingml/2006/main" xmlns:r="http://schemas.openxmlformats.org/officeDocument/2006/relationships" xmlns:p="http://schemas.openxmlformats.org/presentationml/2006/main">
+  <p:cSld>
+    <p:spTree>
+      <p:nvGrpSpPr>
+        <p:cNvPr id="1" name=""/>
+        <p:cNvGrpSpPr/>
+        <p:nvPr/>
+      </p:nvGrpSpPr>
+      <p:grpSpPr>
+        <a:xfrm>
+          <a:off x="0" y="0"/>
+          <a:ext cx="0" cy="0"/>
+          <a:chOff x="0" y="0"/>
+          <a:chExt cx="0" cy="0"/>
+        </a:xfrm>
+      </p:grpSpPr>
+      <p:sp>
+        <p:nvSpPr>
+          <p:cNvPr id="2" name="Title 1"/>
+          <p:cNvSpPr>
+            <a:spLocks noGrp="1"/>
+          </p:cNvSpPr>
+          <p:nvPr>
+            <p:ph type="title"/>
+          </p:nvPr>
+        </p:nvSpPr>
+        <p:spPr/>
+        <p:txBody>
+          <a:bodyPr/>
+          <a:lstStyle/>
+          <a:p>
+            <a:pPr lvl="0" indent="0" marL="0">
+              <a:buNone/>
+            </a:pPr>
+            <a:r>
+              <a:rPr/>
+              <a:t>Threaded Binary Trees</a:t>
+            </a:r>
+          </a:p>
+        </p:txBody>
+      </p:sp>
+      <p:sp>
+        <p:nvSpPr>
+          <p:cNvPr id="3" name="Content Placeholder 2"/>
+          <p:cNvSpPr>
+            <a:spLocks noGrp="1"/>
+          </p:cNvSpPr>
+          <p:nvPr>
+            <p:ph idx="1"/>
+          </p:nvPr>
+        </p:nvSpPr>
+        <p:spPr/>
+        <p:txBody>
+          <a:bodyPr/>
+          <a:lstStyle/>
+          <a:p>
+            <a:pPr lvl="0"/>
+            <a:r>
+              <a:rPr/>
+              <a:t>Btech Smart Class</a:t>
+            </a:r>
+          </a:p>
+          <a:p>
+            <a:pPr lvl="1"/>
+            <a:r>
+              <a:rPr/>
+              <a:t>http://www.btechsmartclass.com/data_structures/threaded-binary-trees.html</a:t>
+            </a:r>
+          </a:p>
+        </p:txBody>
+      </p:sp>
+    </p:spTree>
+  </p:cSld>
+</p:sld>
+</file>
+
+<file path=ppt/slides/slide15.xml><?xml version="1.0" encoding="utf-8"?>
+<p:sld xmlns:a="http://schemas.openxmlformats.org/drawingml/2006/main" xmlns:r="http://schemas.openxmlformats.org/officeDocument/2006/relationships" xmlns:p="http://schemas.openxmlformats.org/presentationml/2006/main">
+  <p:cSld>
+    <p:spTree>
+      <p:nvGrpSpPr>
+        <p:cNvPr id="1" name=""/>
+        <p:cNvGrpSpPr/>
+        <p:nvPr/>
+      </p:nvGrpSpPr>
+      <p:grpSpPr>
+        <a:xfrm>
+          <a:off x="0" y="0"/>
+          <a:ext cx="0" cy="0"/>
+          <a:chOff x="0" y="0"/>
+          <a:chExt cx="0" cy="0"/>
+        </a:xfrm>
+      </p:grpSpPr>
+      <p:sp>
+        <p:nvSpPr>
+          <p:cNvPr id="2" name="Title 1"/>
+          <p:cNvSpPr>
+            <a:spLocks noGrp="1"/>
+          </p:cNvSpPr>
+          <p:nvPr>
+            <p:ph type="title"/>
+          </p:nvPr>
+        </p:nvSpPr>
+        <p:spPr/>
+        <p:txBody>
+          <a:bodyPr/>
+          <a:lstStyle/>
+          <a:p>
+            <a:pPr lvl="0" indent="0" marL="0">
+              <a:buNone/>
+            </a:pPr>
+            <a:r>
+              <a:rPr/>
+              <a:t>Max Priority Queue</a:t>
+            </a:r>
+          </a:p>
+        </p:txBody>
+      </p:sp>
+      <p:sp>
+        <p:nvSpPr>
+          <p:cNvPr id="3" name="Content Placeholder 2"/>
+          <p:cNvSpPr>
+            <a:spLocks noGrp="1"/>
+          </p:cNvSpPr>
+          <p:nvPr>
+            <p:ph idx="1"/>
+          </p:nvPr>
+        </p:nvSpPr>
+        <p:spPr/>
+        <p:txBody>
+          <a:bodyPr/>
+          <a:lstStyle/>
+          <a:p>
+            <a:pPr lvl="0"/>
+            <a:r>
+              <a:rPr/>
+              <a:t>Btech Smart Class</a:t>
+            </a:r>
+          </a:p>
+          <a:p>
+            <a:pPr lvl="1"/>
+            <a:r>
+              <a:rPr/>
+              <a:t>http://www.btechsmartclass.com/data_structures/max-priority-queue.html</a:t>
+            </a:r>
+          </a:p>
+          <a:p>
+            <a:pPr lvl="0"/>
+            <a:r>
+              <a:rPr/>
+              <a:t>William Fiset</a:t>
+            </a:r>
+          </a:p>
+          <a:p>
+            <a:pPr lvl="1"/>
+            <a:r>
+              <a:rPr/>
+              <a:t>https://www.youtube.com/watch?v=wptevk0bshY&amp;t=0s&amp;ab_channel=WilliamFiset</a:t>
+            </a:r>
+          </a:p>
+          <a:p>
+            <a:pPr lvl="1"/>
+            <a:r>
+              <a:rPr/>
+              <a:t>https://github.com/williamfiset/Algorithms/tree/master/src/main/java/com/williamfiset/algorithms/datastructures/priorityqueue</a:t>
+            </a:r>
+          </a:p>
+        </p:txBody>
+      </p:sp>
+    </p:spTree>
+  </p:cSld>
+</p:sld>
+</file>
+
+<file path=ppt/slides/slide16.xml><?xml version="1.0" encoding="utf-8"?>
+<p:sld xmlns:a="http://schemas.openxmlformats.org/drawingml/2006/main" xmlns:r="http://schemas.openxmlformats.org/officeDocument/2006/relationships" xmlns:p="http://schemas.openxmlformats.org/presentationml/2006/main">
+  <p:cSld>
+    <p:spTree>
+      <p:nvGrpSpPr>
+        <p:cNvPr id="1" name=""/>
+        <p:cNvGrpSpPr/>
+        <p:nvPr/>
+      </p:nvGrpSpPr>
+      <p:grpSpPr>
+        <a:xfrm>
+          <a:off x="0" y="0"/>
+          <a:ext cx="0" cy="0"/>
+          <a:chOff x="0" y="0"/>
+          <a:chExt cx="0" cy="0"/>
+        </a:xfrm>
+      </p:grpSpPr>
+      <p:sp>
+        <p:nvSpPr>
+          <p:cNvPr id="2" name="Title 1"/>
+          <p:cNvSpPr>
+            <a:spLocks noGrp="1"/>
+          </p:cNvSpPr>
+          <p:nvPr>
+            <p:ph type="title"/>
+          </p:nvPr>
+        </p:nvSpPr>
+        <p:spPr/>
+        <p:txBody>
+          <a:bodyPr/>
+          <a:lstStyle/>
+          <a:p>
+            <a:pPr lvl="0" indent="0" marL="0">
+              <a:buNone/>
+            </a:pPr>
+            <a:r>
+              <a:rPr/>
+              <a:t>Heap Data Structure</a:t>
+            </a:r>
+          </a:p>
+        </p:txBody>
+      </p:sp>
+      <p:sp>
+        <p:nvSpPr>
+          <p:cNvPr id="3" name="Content Placeholder 2"/>
+          <p:cNvSpPr>
+            <a:spLocks noGrp="1"/>
+          </p:cNvSpPr>
+          <p:nvPr>
+            <p:ph idx="1"/>
+          </p:nvPr>
+        </p:nvSpPr>
+        <p:spPr/>
+        <p:txBody>
+          <a:bodyPr/>
+          <a:lstStyle/>
+          <a:p>
+            <a:pPr lvl="0"/>
+            <a:r>
+              <a:rPr/>
+              <a:t>Heap Sort</a:t>
+            </a:r>
+          </a:p>
+          <a:p>
+            <a:pPr lvl="1"/>
+            <a:r>
+              <a:rPr/>
+              <a:t>https://ucoruh.github.io/ce100-algorithms-and-programming-II/week-4/ce100-week-4-heap/</a:t>
+            </a:r>
+          </a:p>
+        </p:txBody>
+      </p:sp>
+    </p:spTree>
+  </p:cSld>
+</p:sld>
+</file>
+
+<file path=ppt/slides/slide17.xml><?xml version="1.0" encoding="utf-8"?>
+<p:sld xmlns:a="http://schemas.openxmlformats.org/drawingml/2006/main" xmlns:r="http://schemas.openxmlformats.org/officeDocument/2006/relationships" xmlns:p="http://schemas.openxmlformats.org/presentationml/2006/main">
+  <p:cSld>
+    <p:spTree>
+      <p:nvGrpSpPr>
+        <p:cNvPr id="1" name=""/>
+        <p:cNvGrpSpPr/>
+        <p:nvPr/>
+      </p:nvGrpSpPr>
+      <p:grpSpPr>
+        <a:xfrm>
+          <a:off x="0" y="0"/>
+          <a:ext cx="0" cy="0"/>
+          <a:chOff x="0" y="0"/>
+          <a:chExt cx="0" cy="0"/>
+        </a:xfrm>
+      </p:grpSpPr>
+      <p:sp>
+        <p:nvSpPr>
+          <p:cNvPr id="2" name="Title 1"/>
+          <p:cNvSpPr>
+            <a:spLocks noGrp="1"/>
+          </p:cNvSpPr>
+          <p:nvPr>
+            <p:ph type="title"/>
+          </p:nvPr>
+        </p:nvSpPr>
+        <p:spPr/>
+        <p:txBody>
+          <a:bodyPr/>
+          <a:lstStyle/>
+          <a:p>
+            <a:pPr lvl="0" indent="0" marL="0">
+              <a:buNone/>
+            </a:pPr>
+            <a:r>
+              <a:rPr/>
+              <a:t>Heap Data Structure</a:t>
+            </a:r>
+          </a:p>
+        </p:txBody>
+      </p:sp>
+      <p:sp>
+        <p:nvSpPr>
+          <p:cNvPr id="3" name="Content Placeholder 2"/>
+          <p:cNvSpPr>
+            <a:spLocks noGrp="1"/>
+          </p:cNvSpPr>
+          <p:nvPr>
+            <p:ph idx="1"/>
+          </p:nvPr>
+        </p:nvSpPr>
+        <p:spPr/>
+        <p:txBody>
+          <a:bodyPr/>
+          <a:lstStyle/>
+          <a:p>
+            <a:pPr lvl="0"/>
+            <a:r>
+              <a:rPr/>
+              <a:t>Programiz</a:t>
+            </a:r>
+          </a:p>
+          <a:p>
+            <a:pPr lvl="1"/>
+            <a:r>
+              <a:rPr/>
+              <a:t>https://www.programiz.com/dsa/heap-data-structure</a:t>
+            </a:r>
+          </a:p>
+          <a:p>
+            <a:pPr lvl="0"/>
+            <a:r>
+              <a:rPr/>
+              <a:t>Btech Smart Class</a:t>
+            </a:r>
+          </a:p>
+          <a:p>
+            <a:pPr lvl="1"/>
+            <a:r>
+              <a:rPr/>
+              <a:t>Max-Heap</a:t>
+            </a:r>
+          </a:p>
+          <a:p>
+            <a:pPr lvl="2"/>
+            <a:r>
+              <a:rPr/>
+              <a:t>http://www.btechsmartclass.com/data_structures/max-heap.html</a:t>
+            </a:r>
+          </a:p>
+          <a:p>
+            <a:pPr lvl="0"/>
+            <a:r>
+              <a:rPr/>
+              <a:t>Geeks for Geeks</a:t>
+            </a:r>
+          </a:p>
+          <a:p>
+            <a:pPr lvl="1"/>
+            <a:r>
+              <a:rPr/>
+              <a:t>Binary Heap</a:t>
+            </a:r>
+          </a:p>
+          <a:p>
+            <a:pPr lvl="2"/>
+            <a:r>
+              <a:rPr/>
+              <a:t>https://www.geeksforgeeks.org/binary-heap/?ref=lbp</a:t>
+            </a:r>
+          </a:p>
+          <a:p>
+            <a:pPr lvl="2"/>
+            <a:r>
+              <a:rPr/>
+              <a:t>https://www.geeksforgeeks.org/difference-between-binary-heap-binomial-heap-and-fibonacci-heap/?ref=rp</a:t>
+            </a:r>
+          </a:p>
+        </p:txBody>
+      </p:sp>
+    </p:spTree>
+  </p:cSld>
+</p:sld>
+</file>
+
+<file path=ppt/slides/slide18.xml><?xml version="1.0" encoding="utf-8"?>
+<p:sld xmlns:a="http://schemas.openxmlformats.org/drawingml/2006/main" xmlns:r="http://schemas.openxmlformats.org/officeDocument/2006/relationships" xmlns:p="http://schemas.openxmlformats.org/presentationml/2006/main">
+  <p:cSld>
+    <p:spTree>
+      <p:nvGrpSpPr>
+        <p:cNvPr id="1" name=""/>
+        <p:cNvGrpSpPr/>
+        <p:nvPr/>
+      </p:nvGrpSpPr>
+      <p:grpSpPr>
+        <a:xfrm>
+          <a:off x="0" y="0"/>
+          <a:ext cx="0" cy="0"/>
+          <a:chOff x="0" y="0"/>
+          <a:chExt cx="0" cy="0"/>
+        </a:xfrm>
+      </p:grpSpPr>
+      <p:sp>
+        <p:nvSpPr>
+          <p:cNvPr id="2" name="Title 1"/>
+          <p:cNvSpPr>
+            <a:spLocks noGrp="1"/>
+          </p:cNvSpPr>
+          <p:nvPr>
+            <p:ph type="title"/>
+          </p:nvPr>
+        </p:nvSpPr>
+        <p:spPr/>
+        <p:txBody>
+          <a:bodyPr/>
+          <a:lstStyle/>
+          <a:p>
+            <a:pPr lvl="0" indent="0" marL="0">
+              <a:buNone/>
+            </a:pPr>
+            <a:r>
+              <a:rPr/>
+              <a:t>Heap Data Structure</a:t>
+            </a:r>
+          </a:p>
+        </p:txBody>
+      </p:sp>
+      <p:sp>
+        <p:nvSpPr>
+          <p:cNvPr id="3" name="Content Placeholder 2"/>
+          <p:cNvSpPr>
+            <a:spLocks noGrp="1"/>
+          </p:cNvSpPr>
+          <p:nvPr>
+            <p:ph idx="1"/>
+          </p:nvPr>
+        </p:nvSpPr>
+        <p:spPr/>
+        <p:txBody>
+          <a:bodyPr/>
+          <a:lstStyle/>
+          <a:p>
+            <a:pPr lvl="0"/>
+            <a:r>
+              <a:rPr/>
+              <a:t>Binomial Heap</a:t>
+            </a:r>
+          </a:p>
+          <a:p>
+            <a:pPr lvl="1"/>
+            <a:r>
+              <a:rPr/>
+              <a:t>Geeks for Geeks</a:t>
+            </a:r>
+          </a:p>
+          <a:p>
+            <a:pPr lvl="2"/>
+            <a:r>
+              <a:rPr/>
+              <a:t>https://www.geeksforgeeks.org/binomial-heap-2/</a:t>
+            </a:r>
+          </a:p>
+        </p:txBody>
+      </p:sp>
+    </p:spTree>
+  </p:cSld>
+</p:sld>
+</file>
+
+<file path=ppt/slides/slide19.xml><?xml version="1.0" encoding="utf-8"?>
+<p:sld xmlns:a="http://schemas.openxmlformats.org/drawingml/2006/main" xmlns:r="http://schemas.openxmlformats.org/officeDocument/2006/relationships" xmlns:p="http://schemas.openxmlformats.org/presentationml/2006/main">
+  <p:cSld>
+    <p:spTree>
+      <p:nvGrpSpPr>
+        <p:cNvPr id="1" name=""/>
+        <p:cNvGrpSpPr/>
+        <p:nvPr/>
+      </p:nvGrpSpPr>
+      <p:grpSpPr>
+        <a:xfrm>
+          <a:off x="0" y="0"/>
+          <a:ext cx="0" cy="0"/>
+          <a:chOff x="0" y="0"/>
+          <a:chExt cx="0" cy="0"/>
+        </a:xfrm>
+      </p:grpSpPr>
+      <p:sp>
+        <p:nvSpPr>
+          <p:cNvPr id="2" name="Title 1"/>
+          <p:cNvSpPr>
+            <a:spLocks noGrp="1"/>
+          </p:cNvSpPr>
+          <p:nvPr>
+            <p:ph type="title"/>
+          </p:nvPr>
+        </p:nvSpPr>
+        <p:spPr/>
+        <p:txBody>
+          <a:bodyPr/>
+          <a:lstStyle/>
+          <a:p>
+            <a:pPr lvl="0" indent="0" marL="0">
+              <a:buNone/>
+            </a:pPr>
+            <a:r>
+              <a:rPr/>
+              <a:t>Heap Data Structure</a:t>
+            </a:r>
+          </a:p>
+        </p:txBody>
+      </p:sp>
+      <p:sp>
+        <p:nvSpPr>
+          <p:cNvPr id="3" name="Content Placeholder 2"/>
+          <p:cNvSpPr>
+            <a:spLocks noGrp="1"/>
+          </p:cNvSpPr>
+          <p:nvPr>
+            <p:ph idx="1"/>
+          </p:nvPr>
+        </p:nvSpPr>
+        <p:spPr/>
+        <p:txBody>
+          <a:bodyPr/>
+          <a:lstStyle/>
+          <a:p>
+            <a:pPr lvl="0" indent="-457200" marL="457200">
+              <a:buAutoNum type="arabicPeriod"/>
+            </a:pPr>
+            <a:r>
+              <a:rPr/>
+              <a:t>Structure of Fibonacci Heaps</a:t>
+            </a:r>
+          </a:p>
+          <a:p>
+            <a:pPr lvl="0" indent="-457200" marL="457200">
+              <a:buAutoNum type="arabicPeriod"/>
+            </a:pPr>
+            <a:r>
+              <a:rPr/>
+              <a:t>Mergeable-heap operations</a:t>
+            </a:r>
+          </a:p>
+          <a:p>
+            <a:pPr lvl="0"/>
+            <a:r>
+              <a:rPr/>
+              <a:t>Fibonacci Heap</a:t>
+            </a:r>
+          </a:p>
+          <a:p>
+            <a:pPr lvl="1"/>
+            <a:r>
+              <a:rPr/>
+              <a:t>William Fiset</a:t>
+            </a:r>
+          </a:p>
+          <a:p>
+            <a:pPr lvl="2"/>
+            <a:r>
+              <a:rPr/>
+              <a:t>https://github.com/williamfiset/Algorithms/tree/master/src/main/java/com/williamfiset/algorithms/datastructures/fibonacciheap</a:t>
+            </a:r>
+          </a:p>
+          <a:p>
+            <a:pPr lvl="1"/>
+            <a:r>
+              <a:rPr/>
+              <a:t>Geeks for Geeks</a:t>
+            </a:r>
+          </a:p>
+          <a:p>
+            <a:pPr lvl="2"/>
+            <a:r>
+              <a:rPr/>
+              <a:t>https://www.geeksforgeeks.org/fibonacci-heap-set-1-introduction/?ref=lbp</a:t>
+            </a:r>
+          </a:p>
+        </p:txBody>
+      </p:sp>
+    </p:spTree>
+  </p:cSld>
+</p:sld>
+</file>
+
 <file path=ppt/slides/slide2.xml><?xml version="1.0" encoding="utf-8"?>
 <p:sld xmlns:a="http://schemas.openxmlformats.org/drawingml/2006/main" xmlns:r="http://schemas.openxmlformats.org/officeDocument/2006/relationships" xmlns:p="http://schemas.openxmlformats.org/presentationml/2006/main">
   <p:cSld>
@@ -3257,6 +4185,548 @@
           </a:p>
         </p:txBody>
       </p:sp>
+    </p:spTree>
+  </p:cSld>
+</p:sld>
+</file>
+
+<file path=ppt/slides/slide20.xml><?xml version="1.0" encoding="utf-8"?>
+<p:sld xmlns:a="http://schemas.openxmlformats.org/drawingml/2006/main" xmlns:r="http://schemas.openxmlformats.org/officeDocument/2006/relationships" xmlns:p="http://schemas.openxmlformats.org/presentationml/2006/main">
+  <p:cSld>
+    <p:spTree>
+      <p:nvGrpSpPr>
+        <p:cNvPr id="1" name=""/>
+        <p:cNvGrpSpPr/>
+        <p:nvPr/>
+      </p:nvGrpSpPr>
+      <p:grpSpPr>
+        <a:xfrm>
+          <a:off x="0" y="0"/>
+          <a:ext cx="0" cy="0"/>
+          <a:chOff x="0" y="0"/>
+          <a:chExt cx="0" cy="0"/>
+        </a:xfrm>
+      </p:grpSpPr>
+      <p:sp>
+        <p:nvSpPr>
+          <p:cNvPr id="2" name="Title 1"/>
+          <p:cNvSpPr>
+            <a:spLocks noGrp="1"/>
+          </p:cNvSpPr>
+          <p:nvPr>
+            <p:ph type="title"/>
+          </p:nvPr>
+        </p:nvSpPr>
+        <p:spPr/>
+        <p:txBody>
+          <a:bodyPr/>
+          <a:lstStyle/>
+          <a:p>
+            <a:pPr lvl="0" indent="0" marL="0">
+              <a:buNone/>
+            </a:pPr>
+            <a:r>
+              <a:rPr/>
+              <a:t>Heap Data Structure</a:t>
+            </a:r>
+          </a:p>
+        </p:txBody>
+      </p:sp>
+      <p:sp>
+        <p:nvSpPr>
+          <p:cNvPr id="3" name="Content Placeholder 2"/>
+          <p:cNvSpPr>
+            <a:spLocks noGrp="1"/>
+          </p:cNvSpPr>
+          <p:nvPr>
+            <p:ph idx="1"/>
+          </p:nvPr>
+        </p:nvSpPr>
+        <p:spPr/>
+        <p:txBody>
+          <a:bodyPr/>
+          <a:lstStyle/>
+          <a:p>
+            <a:pPr lvl="0" indent="-457200" marL="457200">
+              <a:buAutoNum type="arabicPeriod"/>
+            </a:pPr>
+            <a:r>
+              <a:rPr/>
+              <a:t>Decreasing a key and deleting a node</a:t>
+            </a:r>
+          </a:p>
+          <a:p>
+            <a:pPr lvl="0" indent="-457200" marL="457200">
+              <a:buAutoNum type="arabicPeriod"/>
+            </a:pPr>
+            <a:r>
+              <a:rPr/>
+              <a:t>Bounding the maximum degree</a:t>
+            </a:r>
+          </a:p>
+          <a:p>
+            <a:pPr lvl="0"/>
+            <a:r>
+              <a:rPr/>
+              <a:t>Heap Operations</a:t>
+            </a:r>
+          </a:p>
+          <a:p>
+            <a:pPr lvl="1"/>
+            <a:r>
+              <a:rPr/>
+              <a:t>https://www.geeksforgeeks.org/fibonacci-heap-insertion-and-union/?ref=lbp</a:t>
+            </a:r>
+          </a:p>
+          <a:p>
+            <a:pPr lvl="1"/>
+            <a:r>
+              <a:rPr/>
+              <a:t>https://www.geeksforgeeks.org/fibonacci-heap-deletion-extract-min-and-decrease-key/?ref=lbp</a:t>
+            </a:r>
+          </a:p>
+        </p:txBody>
+      </p:sp>
+    </p:spTree>
+  </p:cSld>
+</p:sld>
+</file>
+
+<file path=ppt/slides/slide21.xml><?xml version="1.0" encoding="utf-8"?>
+<p:sld xmlns:a="http://schemas.openxmlformats.org/drawingml/2006/main" xmlns:r="http://schemas.openxmlformats.org/officeDocument/2006/relationships" xmlns:p="http://schemas.openxmlformats.org/presentationml/2006/main">
+  <p:cSld>
+    <p:spTree>
+      <p:nvGrpSpPr>
+        <p:cNvPr id="1" name=""/>
+        <p:cNvGrpSpPr/>
+        <p:nvPr/>
+      </p:nvGrpSpPr>
+      <p:grpSpPr>
+        <a:xfrm>
+          <a:off x="0" y="0"/>
+          <a:ext cx="0" cy="0"/>
+          <a:chOff x="0" y="0"/>
+          <a:chExt cx="0" cy="0"/>
+        </a:xfrm>
+      </p:grpSpPr>
+      <p:sp>
+        <p:nvSpPr>
+          <p:cNvPr id="2" name="Title 1"/>
+          <p:cNvSpPr>
+            <a:spLocks noGrp="1"/>
+          </p:cNvSpPr>
+          <p:nvPr>
+            <p:ph type="title"/>
+          </p:nvPr>
+        </p:nvSpPr>
+        <p:spPr/>
+        <p:txBody>
+          <a:bodyPr/>
+          <a:lstStyle/>
+          <a:p>
+            <a:pPr lvl="0" indent="0" marL="0">
+              <a:buNone/>
+            </a:pPr>
+            <a:r>
+              <a:rPr/>
+              <a:t>Heap Data Structure</a:t>
+            </a:r>
+          </a:p>
+        </p:txBody>
+      </p:sp>
+      <p:sp>
+        <p:nvSpPr>
+          <p:cNvPr id="3" name="Content Placeholder 2"/>
+          <p:cNvSpPr>
+            <a:spLocks noGrp="1"/>
+          </p:cNvSpPr>
+          <p:nvPr>
+            <p:ph idx="1"/>
+          </p:nvPr>
+        </p:nvSpPr>
+        <p:spPr/>
+        <p:txBody>
+          <a:bodyPr/>
+          <a:lstStyle/>
+          <a:p>
+            <a:pPr lvl="0"/>
+            <a:r>
+              <a:rPr/>
+              <a:t>Leftist Heap</a:t>
+            </a:r>
+          </a:p>
+          <a:p>
+            <a:pPr lvl="1"/>
+            <a:r>
+              <a:rPr/>
+              <a:t>Geeks for Geeks</a:t>
+            </a:r>
+          </a:p>
+          <a:p>
+            <a:pPr lvl="2"/>
+            <a:r>
+              <a:rPr/>
+              <a:t>https://www.geeksforgeeks.org/leftist-tree-leftist-heap/?ref=lbp</a:t>
+            </a:r>
+          </a:p>
+          <a:p>
+            <a:pPr lvl="1"/>
+            <a:r>
+              <a:rPr/>
+              <a:t>Toronto</a:t>
+            </a:r>
+          </a:p>
+          <a:p>
+            <a:pPr lvl="2"/>
+            <a:r>
+              <a:rPr/>
+              <a:t>https://www.dgp.toronto.edu/public_user/JamesStewart/378notes/10leftist/</a:t>
+            </a:r>
+          </a:p>
+        </p:txBody>
+      </p:sp>
+    </p:spTree>
+  </p:cSld>
+</p:sld>
+</file>
+
+<file path=ppt/slides/slide22.xml><?xml version="1.0" encoding="utf-8"?>
+<p:sld xmlns:a="http://schemas.openxmlformats.org/drawingml/2006/main" xmlns:r="http://schemas.openxmlformats.org/officeDocument/2006/relationships" xmlns:p="http://schemas.openxmlformats.org/presentationml/2006/main">
+  <p:cSld>
+    <p:spTree>
+      <p:nvGrpSpPr>
+        <p:cNvPr id="1" name=""/>
+        <p:cNvGrpSpPr/>
+        <p:nvPr/>
+      </p:nvGrpSpPr>
+      <p:grpSpPr>
+        <a:xfrm>
+          <a:off x="0" y="0"/>
+          <a:ext cx="0" cy="0"/>
+          <a:chOff x="0" y="0"/>
+          <a:chExt cx="0" cy="0"/>
+        </a:xfrm>
+      </p:grpSpPr>
+      <p:sp>
+        <p:nvSpPr>
+          <p:cNvPr id="2" name="Title 1"/>
+          <p:cNvSpPr>
+            <a:spLocks noGrp="1"/>
+          </p:cNvSpPr>
+          <p:nvPr>
+            <p:ph type="title"/>
+          </p:nvPr>
+        </p:nvSpPr>
+        <p:spPr/>
+        <p:txBody>
+          <a:bodyPr/>
+          <a:lstStyle/>
+          <a:p>
+            <a:pPr lvl="0" indent="0" marL="0">
+              <a:buNone/>
+            </a:pPr>
+            <a:r>
+              <a:rPr/>
+              <a:t>Heap Data Structure</a:t>
+            </a:r>
+          </a:p>
+        </p:txBody>
+      </p:sp>
+      <p:sp>
+        <p:nvSpPr>
+          <p:cNvPr id="3" name="Content Placeholder 2"/>
+          <p:cNvSpPr>
+            <a:spLocks noGrp="1"/>
+          </p:cNvSpPr>
+          <p:nvPr>
+            <p:ph idx="1"/>
+          </p:nvPr>
+        </p:nvSpPr>
+        <p:spPr/>
+        <p:txBody>
+          <a:bodyPr/>
+          <a:lstStyle/>
+          <a:p>
+            <a:pPr lvl="0"/>
+            <a:r>
+              <a:rPr/>
+              <a:t>Geeks for Geeks</a:t>
+            </a:r>
+          </a:p>
+          <a:p>
+            <a:pPr lvl="1"/>
+            <a:r>
+              <a:rPr/>
+              <a:t>https://www.geeksforgeeks.org/k-ary-heap/?ref=lbp</a:t>
+            </a:r>
+          </a:p>
+        </p:txBody>
+      </p:sp>
+    </p:spTree>
+  </p:cSld>
+</p:sld>
+</file>
+
+<file path=ppt/slides/slide23.xml><?xml version="1.0" encoding="utf-8"?>
+<p:sld xmlns:a="http://schemas.openxmlformats.org/drawingml/2006/main" xmlns:r="http://schemas.openxmlformats.org/officeDocument/2006/relationships" xmlns:p="http://schemas.openxmlformats.org/presentationml/2006/main">
+  <p:cSld>
+    <p:spTree>
+      <p:nvGrpSpPr>
+        <p:cNvPr id="1" name=""/>
+        <p:cNvGrpSpPr/>
+        <p:nvPr/>
+      </p:nvGrpSpPr>
+      <p:grpSpPr>
+        <a:xfrm>
+          <a:off x="0" y="0"/>
+          <a:ext cx="0" cy="0"/>
+          <a:chOff x="0" y="0"/>
+          <a:chExt cx="0" cy="0"/>
+        </a:xfrm>
+      </p:grpSpPr>
+      <p:sp>
+        <p:nvSpPr>
+          <p:cNvPr id="2" name="Title 1"/>
+          <p:cNvSpPr>
+            <a:spLocks noGrp="1"/>
+          </p:cNvSpPr>
+          <p:nvPr>
+            <p:ph type="title"/>
+          </p:nvPr>
+        </p:nvSpPr>
+        <p:spPr/>
+        <p:txBody>
+          <a:bodyPr/>
+          <a:lstStyle/>
+          <a:p>
+            <a:pPr lvl="0" indent="0" marL="0">
+              <a:buNone/>
+            </a:pPr>
+            <a:r>
+              <a:rPr/>
+              <a:t>Heap Data Structure</a:t>
+            </a:r>
+          </a:p>
+        </p:txBody>
+      </p:sp>
+      <p:sp>
+        <p:nvSpPr>
+          <p:cNvPr id="3" name="Content Placeholder 2"/>
+          <p:cNvSpPr>
+            <a:spLocks noGrp="1"/>
+          </p:cNvSpPr>
+          <p:nvPr>
+            <p:ph idx="1"/>
+          </p:nvPr>
+        </p:nvSpPr>
+        <p:spPr/>
+        <p:txBody>
+          <a:bodyPr/>
+          <a:lstStyle/>
+          <a:p>
+            <a:pPr lvl="0"/>
+            <a:r>
+              <a:rPr/>
+              <a:t>Heap Sort</a:t>
+            </a:r>
+          </a:p>
+          <a:p>
+            <a:pPr lvl="1"/>
+            <a:r>
+              <a:rPr/>
+              <a:t>https://ucoruh.github.io/ce100-algorithms-and-programming-II/week-4/ce100-week-4-heap/</a:t>
+            </a:r>
+          </a:p>
+        </p:txBody>
+      </p:sp>
+    </p:spTree>
+  </p:cSld>
+</p:sld>
+</file>
+
+<file path=ppt/slides/slide24.xml><?xml version="1.0" encoding="utf-8"?>
+<p:sld xmlns:a="http://schemas.openxmlformats.org/drawingml/2006/main" xmlns:r="http://schemas.openxmlformats.org/officeDocument/2006/relationships" xmlns:p="http://schemas.openxmlformats.org/presentationml/2006/main">
+  <p:cSld>
+    <p:spTree>
+      <p:nvGrpSpPr>
+        <p:cNvPr id="1" name=""/>
+        <p:cNvGrpSpPr/>
+        <p:nvPr/>
+      </p:nvGrpSpPr>
+      <p:grpSpPr>
+        <a:xfrm>
+          <a:off x="0" y="0"/>
+          <a:ext cx="0" cy="0"/>
+          <a:chOff x="0" y="0"/>
+          <a:chExt cx="0" cy="0"/>
+        </a:xfrm>
+      </p:grpSpPr>
+      <p:sp>
+        <p:nvSpPr>
+          <p:cNvPr id="2" name="Title 1"/>
+          <p:cNvSpPr>
+            <a:spLocks noGrp="1"/>
+          </p:cNvSpPr>
+          <p:nvPr>
+            <p:ph type="title"/>
+          </p:nvPr>
+        </p:nvSpPr>
+        <p:spPr/>
+        <p:txBody>
+          <a:bodyPr/>
+          <a:lstStyle/>
+          <a:p>
+            <a:pPr lvl="0" indent="0" marL="0">
+              <a:buNone/>
+            </a:pPr>
+            <a:r>
+              <a:rPr/>
+              <a:t>Heap Data Structure</a:t>
+            </a:r>
+          </a:p>
+        </p:txBody>
+      </p:sp>
+      <p:sp>
+        <p:nvSpPr>
+          <p:cNvPr id="3" name="Content Placeholder 2"/>
+          <p:cNvSpPr>
+            <a:spLocks noGrp="1"/>
+          </p:cNvSpPr>
+          <p:nvPr>
+            <p:ph idx="1"/>
+          </p:nvPr>
+        </p:nvSpPr>
+        <p:spPr/>
+        <p:txBody>
+          <a:bodyPr/>
+          <a:lstStyle/>
+          <a:p>
+            <a:pPr lvl="0"/>
+            <a:r>
+              <a:rPr/>
+              <a:t>Huffman Coding</a:t>
+            </a:r>
+          </a:p>
+          <a:p>
+            <a:pPr lvl="1"/>
+            <a:r>
+              <a:rPr/>
+              <a:t>Geeks for Geeks</a:t>
+            </a:r>
+          </a:p>
+          <a:p>
+            <a:pPr lvl="2"/>
+            <a:r>
+              <a:rPr/>
+              <a:t>https://www.geeksforgeeks.org/difference-between-binary-heap-binomial-heap-and-fibonacci-heap/?ref=rp</a:t>
+            </a:r>
+          </a:p>
+        </p:txBody>
+      </p:sp>
+    </p:spTree>
+  </p:cSld>
+</p:sld>
+</file>
+
+<file path=ppt/slides/slide25.xml><?xml version="1.0" encoding="utf-8"?>
+<p:sld xmlns:a="http://schemas.openxmlformats.org/drawingml/2006/main" xmlns:r="http://schemas.openxmlformats.org/officeDocument/2006/relationships" xmlns:p="http://schemas.openxmlformats.org/presentationml/2006/main">
+  <p:cSld>
+    <p:spTree>
+      <p:nvGrpSpPr>
+        <p:cNvPr id="1" name=""/>
+        <p:cNvGrpSpPr/>
+        <p:nvPr/>
+      </p:nvGrpSpPr>
+      <p:grpSpPr>
+        <a:xfrm>
+          <a:off x="0" y="0"/>
+          <a:ext cx="0" cy="0"/>
+          <a:chOff x="0" y="0"/>
+          <a:chExt cx="0" cy="0"/>
+        </a:xfrm>
+      </p:grpSpPr>
+      <mc:AlternateContent xmlns:mc="http://schemas.openxmlformats.org/markup-compatibility/2006">
+        <mc:Choice xmlns:a14="http://schemas.microsoft.com/office/drawing/2010/main" Requires="a14">
+          <p:sp>
+            <p:nvSpPr>
+              <p:cNvPr id="3" name="Content Placeholder 2"/>
+              <p:cNvSpPr>
+                <a:spLocks noGrp="1"/>
+              </p:cNvSpPr>
+              <p:nvPr>
+                <p:ph idx="1"/>
+              </p:nvPr>
+            </p:nvSpPr>
+            <p:spPr/>
+            <p:txBody>
+              <a:bodyPr/>
+              <a:lstStyle/>
+              <a:p>
+                <a:pPr lvl="0" indent="0" marL="0">
+                  <a:buNone/>
+                </a:pPr>
+                <a14:m>
+                  <m:oMathPara xmlns:m="http://schemas.openxmlformats.org/officeDocument/2006/math">
+                    <m:oMathParaPr>
+                      <m:jc m:val="center"/>
+                    </m:oMathParaPr>
+                    <m:oMath>
+                      <m:r>
+                        <m:t>E</m:t>
+                      </m:r>
+                      <m:r>
+                        <m:t>n</m:t>
+                      </m:r>
+                      <m:r>
+                        <m:t>d</m:t>
+                      </m:r>
+                      <m:r>
+                        <m:rPr>
+                          <m:sty m:val="p"/>
+                        </m:rPr>
+                        <m:t>−</m:t>
+                      </m:r>
+                      <m:r>
+                        <m:t>O</m:t>
+                      </m:r>
+                      <m:r>
+                        <m:t>f</m:t>
+                      </m:r>
+                      <m:r>
+                        <m:rPr>
+                          <m:sty m:val="p"/>
+                        </m:rPr>
+                        <m:t>−</m:t>
+                      </m:r>
+                      <m:r>
+                        <m:t>W</m:t>
+                      </m:r>
+                      <m:r>
+                        <m:t>e</m:t>
+                      </m:r>
+                      <m:r>
+                        <m:t>e</m:t>
+                      </m:r>
+                      <m:r>
+                        <m:t>k</m:t>
+                      </m:r>
+                      <m:r>
+                        <m:rPr>
+                          <m:sty m:val="p"/>
+                        </m:rPr>
+                        <m:t>−</m:t>
+                      </m:r>
+                      <m:r>
+                        <m:t>4</m:t>
+                      </m:r>
+                    </m:oMath>
+                  </m:oMathPara>
+                </a14:m>
+              </a:p>
+            </p:txBody>
+          </p:sp>
+        </mc:Choice>
+      </mc:AlternateContent>
     </p:spTree>
   </p:cSld>
 </p:sld>
@@ -3403,6 +4873,497 @@
                 <a:hlinkClick r:id="rId4"/>
               </a:rPr>
               <a:t>PPTX</a:t>
+            </a:r>
+          </a:p>
+        </p:txBody>
+      </p:sp>
+    </p:spTree>
+  </p:cSld>
+</p:sld>
+</file>
+
+<file path=ppt/slides/slide5.xml><?xml version="1.0" encoding="utf-8"?>
+<p:sld xmlns:a="http://schemas.openxmlformats.org/drawingml/2006/main" xmlns:r="http://schemas.openxmlformats.org/officeDocument/2006/relationships" xmlns:p="http://schemas.openxmlformats.org/presentationml/2006/main">
+  <p:cSld>
+    <p:spTree>
+      <p:nvGrpSpPr>
+        <p:cNvPr id="1" name=""/>
+        <p:cNvGrpSpPr/>
+        <p:nvPr/>
+      </p:nvGrpSpPr>
+      <p:grpSpPr>
+        <a:xfrm>
+          <a:off x="0" y="0"/>
+          <a:ext cx="0" cy="0"/>
+          <a:chOff x="0" y="0"/>
+          <a:chExt cx="0" cy="0"/>
+        </a:xfrm>
+      </p:grpSpPr>
+      <p:sp>
+        <p:nvSpPr>
+          <p:cNvPr id="2" name="Title 1"/>
+          <p:cNvSpPr>
+            <a:spLocks noGrp="1"/>
+          </p:cNvSpPr>
+          <p:nvPr>
+            <p:ph type="title"/>
+          </p:nvPr>
+        </p:nvSpPr>
+        <p:spPr/>
+        <p:txBody>
+          <a:bodyPr/>
+          <a:lstStyle/>
+          <a:p>
+            <a:pPr lvl="0" indent="0" marL="0">
+              <a:buNone/>
+            </a:pPr>
+            <a:r>
+              <a:rPr/>
+              <a:t>Outline</a:t>
+            </a:r>
+          </a:p>
+        </p:txBody>
+      </p:sp>
+      <p:sp>
+        <p:nvSpPr>
+          <p:cNvPr id="3" name="Content Placeholder 2"/>
+          <p:cNvSpPr>
+            <a:spLocks noGrp="1"/>
+          </p:cNvSpPr>
+          <p:nvPr>
+            <p:ph idx="1"/>
+          </p:nvPr>
+        </p:nvSpPr>
+        <p:spPr/>
+        <p:txBody>
+          <a:bodyPr/>
+          <a:lstStyle/>
+          <a:p>
+            <a:pPr lvl="0"/>
+            <a:r>
+              <a:rPr/>
+              <a:t>Graph Representation Tools</a:t>
+            </a:r>
+          </a:p>
+          <a:p>
+            <a:pPr lvl="0"/>
+            <a:r>
+              <a:rPr/>
+              <a:t>Tree Structures and Binary Tree and Traversals (In-Order, Pre-Order, Post-Order)</a:t>
+            </a:r>
+          </a:p>
+          <a:p>
+            <a:pPr lvl="0"/>
+            <a:r>
+              <a:rPr/>
+              <a:t>Heaps (Max, Min, Binary , Binomial, Fibonacci, Leftist, K-ary) and Priority Queue</a:t>
+            </a:r>
+          </a:p>
+          <a:p>
+            <a:pPr lvl="0"/>
+            <a:r>
+              <a:rPr/>
+              <a:t>Heap Sort</a:t>
+            </a:r>
+          </a:p>
+          <a:p>
+            <a:pPr lvl="0"/>
+            <a:r>
+              <a:rPr/>
+              <a:t>Huffman Coding</a:t>
+            </a:r>
+          </a:p>
+        </p:txBody>
+      </p:sp>
+    </p:spTree>
+  </p:cSld>
+</p:sld>
+</file>
+
+<file path=ppt/slides/slide6.xml><?xml version="1.0" encoding="utf-8"?>
+<p:sld xmlns:a="http://schemas.openxmlformats.org/drawingml/2006/main" xmlns:r="http://schemas.openxmlformats.org/officeDocument/2006/relationships" xmlns:p="http://schemas.openxmlformats.org/presentationml/2006/main">
+  <p:cSld>
+    <p:spTree>
+      <p:nvGrpSpPr>
+        <p:cNvPr id="1" name=""/>
+        <p:cNvGrpSpPr/>
+        <p:nvPr/>
+      </p:nvGrpSpPr>
+      <p:grpSpPr>
+        <a:xfrm>
+          <a:off x="0" y="0"/>
+          <a:ext cx="0" cy="0"/>
+          <a:chOff x="0" y="0"/>
+          <a:chExt cx="0" cy="0"/>
+        </a:xfrm>
+      </p:grpSpPr>
+      <p:sp>
+        <p:nvSpPr>
+          <p:cNvPr id="2" name="Title 1"/>
+          <p:cNvSpPr>
+            <a:spLocks noGrp="1"/>
+          </p:cNvSpPr>
+          <p:nvPr>
+            <p:ph type="title"/>
+          </p:nvPr>
+        </p:nvSpPr>
+        <p:spPr/>
+        <p:txBody>
+          <a:bodyPr/>
+          <a:lstStyle/>
+          <a:p>
+            <a:pPr lvl="0" indent="0" marL="0">
+              <a:buNone/>
+            </a:pPr>
+            <a:r>
+              <a:rPr/>
+              <a:t>Graph Representation Tools</a:t>
+            </a:r>
+          </a:p>
+        </p:txBody>
+      </p:sp>
+      <p:sp>
+        <p:nvSpPr>
+          <p:cNvPr id="3" name="Content Placeholder 2"/>
+          <p:cNvSpPr>
+            <a:spLocks noGrp="1"/>
+          </p:cNvSpPr>
+          <p:nvPr>
+            <p:ph idx="1"/>
+          </p:nvPr>
+        </p:nvSpPr>
+        <p:spPr/>
+        <p:txBody>
+          <a:bodyPr/>
+          <a:lstStyle/>
+          <a:p>
+            <a:pPr lvl="0"/>
+            <a:r>
+              <a:rPr/>
+              <a:t>Microsoft Automatic Graph Layout</a:t>
+            </a:r>
+          </a:p>
+          <a:p>
+            <a:pPr lvl="1"/>
+            <a:r>
+              <a:rPr/>
+              <a:t>https://www.microsoft.com/en-us/download/details.aspx?id=52034</a:t>
+            </a:r>
+          </a:p>
+          <a:p>
+            <a:pPr lvl="1"/>
+            <a:r>
+              <a:rPr/>
+              <a:t>https://github.com/microsoft/automatic-graph-layout</a:t>
+            </a:r>
+          </a:p>
+          <a:p>
+            <a:pPr lvl="0"/>
+            <a:r>
+              <a:rPr/>
+              <a:t>Graphviz</a:t>
+            </a:r>
+          </a:p>
+          <a:p>
+            <a:pPr lvl="1"/>
+            <a:r>
+              <a:rPr/>
+              <a:t>https://graphviz.org/resources/</a:t>
+            </a:r>
+          </a:p>
+          <a:p>
+            <a:pPr lvl="0"/>
+            <a:r>
+              <a:rPr/>
+              <a:t>Plantuml</a:t>
+            </a:r>
+          </a:p>
+          <a:p>
+            <a:pPr lvl="1"/>
+            <a:r>
+              <a:rPr/>
+              <a:t>https://ucoruh.github.io/ce204-object-oriented-programming/week-5/ce204-week-5/#calling-plantuml-from-java_1</a:t>
+            </a:r>
+          </a:p>
+        </p:txBody>
+      </p:sp>
+    </p:spTree>
+  </p:cSld>
+</p:sld>
+</file>
+
+<file path=ppt/slides/slide7.xml><?xml version="1.0" encoding="utf-8"?>
+<p:sld xmlns:a="http://schemas.openxmlformats.org/drawingml/2006/main" xmlns:r="http://schemas.openxmlformats.org/officeDocument/2006/relationships" xmlns:p="http://schemas.openxmlformats.org/presentationml/2006/main">
+  <p:cSld>
+    <p:spTree>
+      <p:nvGrpSpPr>
+        <p:cNvPr id="1" name=""/>
+        <p:cNvGrpSpPr/>
+        <p:nvPr/>
+      </p:nvGrpSpPr>
+      <p:grpSpPr>
+        <a:xfrm>
+          <a:off x="0" y="0"/>
+          <a:ext cx="0" cy="0"/>
+          <a:chOff x="0" y="0"/>
+          <a:chExt cx="0" cy="0"/>
+        </a:xfrm>
+      </p:grpSpPr>
+      <p:sp>
+        <p:nvSpPr>
+          <p:cNvPr id="2" name="Title 1"/>
+          <p:cNvSpPr>
+            <a:spLocks noGrp="1"/>
+          </p:cNvSpPr>
+          <p:nvPr>
+            <p:ph type="title"/>
+          </p:nvPr>
+        </p:nvSpPr>
+        <p:spPr/>
+        <p:txBody>
+          <a:bodyPr/>
+          <a:lstStyle/>
+          <a:p>
+            <a:pPr lvl="0" indent="0" marL="0">
+              <a:buNone/>
+            </a:pPr>
+            <a:r>
+              <a:rPr/>
+              <a:t>Tree - Terminology</a:t>
+            </a:r>
+          </a:p>
+        </p:txBody>
+      </p:sp>
+      <p:sp>
+        <p:nvSpPr>
+          <p:cNvPr id="3" name="Content Placeholder 2"/>
+          <p:cNvSpPr>
+            <a:spLocks noGrp="1"/>
+          </p:cNvSpPr>
+          <p:nvPr>
+            <p:ph idx="1"/>
+          </p:nvPr>
+        </p:nvSpPr>
+        <p:spPr/>
+        <p:txBody>
+          <a:bodyPr/>
+          <a:lstStyle/>
+          <a:p>
+            <a:pPr lvl="0"/>
+            <a:r>
+              <a:rPr/>
+              <a:t>Btech Smart Class</a:t>
+            </a:r>
+          </a:p>
+          <a:p>
+            <a:pPr lvl="1"/>
+            <a:r>
+              <a:rPr/>
+              <a:t>http://www.btechsmartclass.com/data_structures/tree-terminology.html</a:t>
+            </a:r>
+          </a:p>
+        </p:txBody>
+      </p:sp>
+    </p:spTree>
+  </p:cSld>
+</p:sld>
+</file>
+
+<file path=ppt/slides/slide8.xml><?xml version="1.0" encoding="utf-8"?>
+<p:sld xmlns:a="http://schemas.openxmlformats.org/drawingml/2006/main" xmlns:r="http://schemas.openxmlformats.org/officeDocument/2006/relationships" xmlns:p="http://schemas.openxmlformats.org/presentationml/2006/main">
+  <p:cSld>
+    <p:spTree>
+      <p:nvGrpSpPr>
+        <p:cNvPr id="1" name=""/>
+        <p:cNvGrpSpPr/>
+        <p:nvPr/>
+      </p:nvGrpSpPr>
+      <p:grpSpPr>
+        <a:xfrm>
+          <a:off x="0" y="0"/>
+          <a:ext cx="0" cy="0"/>
+          <a:chOff x="0" y="0"/>
+          <a:chExt cx="0" cy="0"/>
+        </a:xfrm>
+      </p:grpSpPr>
+      <p:sp>
+        <p:nvSpPr>
+          <p:cNvPr id="2" name="Title 1"/>
+          <p:cNvSpPr>
+            <a:spLocks noGrp="1"/>
+          </p:cNvSpPr>
+          <p:nvPr>
+            <p:ph type="title"/>
+          </p:nvPr>
+        </p:nvSpPr>
+        <p:spPr/>
+        <p:txBody>
+          <a:bodyPr/>
+          <a:lstStyle/>
+          <a:p>
+            <a:pPr lvl="0" indent="0" marL="0">
+              <a:buNone/>
+            </a:pPr>
+            <a:r>
+              <a:rPr/>
+              <a:t>Tree Representations</a:t>
+            </a:r>
+          </a:p>
+        </p:txBody>
+      </p:sp>
+      <p:sp>
+        <p:nvSpPr>
+          <p:cNvPr id="3" name="Content Placeholder 2"/>
+          <p:cNvSpPr>
+            <a:spLocks noGrp="1"/>
+          </p:cNvSpPr>
+          <p:nvPr>
+            <p:ph idx="1"/>
+          </p:nvPr>
+        </p:nvSpPr>
+        <p:spPr/>
+        <p:txBody>
+          <a:bodyPr/>
+          <a:lstStyle/>
+          <a:p>
+            <a:pPr lvl="0"/>
+            <a:r>
+              <a:rPr/>
+              <a:t>Btech Smart Class</a:t>
+            </a:r>
+          </a:p>
+          <a:p>
+            <a:pPr lvl="1"/>
+            <a:r>
+              <a:rPr/>
+              <a:t>http://www.btechsmartclass.com/data_structures/tree-representations.html</a:t>
+            </a:r>
+          </a:p>
+        </p:txBody>
+      </p:sp>
+    </p:spTree>
+  </p:cSld>
+</p:sld>
+</file>
+
+<file path=ppt/slides/slide9.xml><?xml version="1.0" encoding="utf-8"?>
+<p:sld xmlns:a="http://schemas.openxmlformats.org/drawingml/2006/main" xmlns:r="http://schemas.openxmlformats.org/officeDocument/2006/relationships" xmlns:p="http://schemas.openxmlformats.org/presentationml/2006/main">
+  <p:cSld>
+    <p:spTree>
+      <p:nvGrpSpPr>
+        <p:cNvPr id="1" name=""/>
+        <p:cNvGrpSpPr/>
+        <p:nvPr/>
+      </p:nvGrpSpPr>
+      <p:grpSpPr>
+        <a:xfrm>
+          <a:off x="0" y="0"/>
+          <a:ext cx="0" cy="0"/>
+          <a:chOff x="0" y="0"/>
+          <a:chExt cx="0" cy="0"/>
+        </a:xfrm>
+      </p:grpSpPr>
+      <p:sp>
+        <p:nvSpPr>
+          <p:cNvPr id="2" name="Title 1"/>
+          <p:cNvSpPr>
+            <a:spLocks noGrp="1"/>
+          </p:cNvSpPr>
+          <p:nvPr>
+            <p:ph type="title"/>
+          </p:nvPr>
+        </p:nvSpPr>
+        <p:spPr/>
+        <p:txBody>
+          <a:bodyPr/>
+          <a:lstStyle/>
+          <a:p>
+            <a:pPr lvl="0" indent="0" marL="0">
+              <a:buNone/>
+            </a:pPr>
+            <a:r>
+              <a:rPr/>
+              <a:t>Binary Tree Datastructure</a:t>
+            </a:r>
+          </a:p>
+        </p:txBody>
+      </p:sp>
+      <p:sp>
+        <p:nvSpPr>
+          <p:cNvPr id="3" name="Content Placeholder 2"/>
+          <p:cNvSpPr>
+            <a:spLocks noGrp="1"/>
+          </p:cNvSpPr>
+          <p:nvPr>
+            <p:ph idx="1"/>
+          </p:nvPr>
+        </p:nvSpPr>
+        <p:spPr/>
+        <p:txBody>
+          <a:bodyPr/>
+          <a:lstStyle/>
+          <a:p>
+            <a:pPr lvl="0" indent="-457200" marL="457200">
+              <a:buAutoNum type="arabicPeriod"/>
+            </a:pPr>
+            <a:r>
+              <a:rPr/>
+              <a:t>Construction and Conversion</a:t>
+            </a:r>
+          </a:p>
+          <a:p>
+            <a:pPr lvl="0" indent="-457200" marL="457200">
+              <a:buAutoNum type="arabicPeriod"/>
+            </a:pPr>
+            <a:r>
+              <a:rPr/>
+              <a:t>Checking and Printing</a:t>
+            </a:r>
+          </a:p>
+          <a:p>
+            <a:pPr lvl="0" indent="-457200" marL="457200">
+              <a:buAutoNum type="arabicPeriod"/>
+            </a:pPr>
+            <a:r>
+              <a:rPr/>
+              <a:t>Summation</a:t>
+            </a:r>
+          </a:p>
+          <a:p>
+            <a:pPr lvl="0" indent="-457200" marL="457200">
+              <a:buAutoNum type="arabicPeriod"/>
+            </a:pPr>
+            <a:r>
+              <a:rPr/>
+              <a:t>Longest Common Ancestor</a:t>
+            </a:r>
+          </a:p>
+          <a:p>
+            <a:pPr lvl="0"/>
+            <a:r>
+              <a:rPr/>
+              <a:t>Btech Smart Class</a:t>
+            </a:r>
+          </a:p>
+          <a:p>
+            <a:pPr lvl="1"/>
+            <a:r>
+              <a:rPr/>
+              <a:t>http://www.btechsmartclass.com/data_structures/binary-tree.html</a:t>
+            </a:r>
+          </a:p>
+          <a:p>
+            <a:pPr lvl="0"/>
+            <a:r>
+              <a:rPr/>
+              <a:t>William Fiset</a:t>
+            </a:r>
+          </a:p>
+          <a:p>
+            <a:pPr lvl="1"/>
+            <a:r>
+              <a:rPr/>
+              <a:t>https://www.youtube.com/watch?v=sD1IoalFomA&amp;ab_channel=WilliamFiset</a:t>
             </a:r>
           </a:p>
         </p:txBody>

--- a/docs/week-4-tree-structures/ce205-week-4-tree-structures.md_word.pptx
+++ b/docs/week-4-tree-structures/ce205-week-4-tree-structures.md_word.pptx
@@ -4605,6 +4605,13 @@
             <a:r>
               <a:rPr/>
               <a:t>Huffman Coding</a:t>
+            </a:r>
+          </a:p>
+          <a:p>
+            <a:pPr lvl="1"/>
+            <a:r>
+              <a:rPr/>
+              <a:t>https://ucoruh.github.io/ce100-algorithms-and-programming-II/week-9/ce100-week-9-huffman/</a:t>
             </a:r>
           </a:p>
           <a:p>
